--- a/Demo.LiveTiles.Presentation/Demo.LiveTiles.pptx
+++ b/Demo.LiveTiles.Presentation/Demo.LiveTiles.pptx
@@ -15578,149 +15578,339 @@
       </p:grpSpPr>
       <p:pic>
         <p:nvPicPr>
-          <p:cNvPr id="15" name="Picture 14"/>
+          <p:cNvPr id="1032" name="Picture 8"/>
           <p:cNvPicPr>
-            <a:picLocks noChangeAspect="1"/>
+            <a:picLocks noChangeAspect="1" noChangeArrowheads="1"/>
           </p:cNvPicPr>
           <p:nvPr/>
         </p:nvPicPr>
         <p:blipFill>
-          <a:blip r:embed="rId2" cstate="email">
-            <a:duotone>
-              <a:prstClr val="black"/>
-              <a:schemeClr val="accent6">
-                <a:tint val="45000"/>
-                <a:satMod val="400000"/>
-              </a:schemeClr>
-            </a:duotone>
+          <a:blip r:embed="rId2">
             <a:extLst>
               <a:ext uri="{28A0092B-C50C-407E-A947-70E740481C1C}">
-                <a14:useLocalDpi xmlns:a14="http://schemas.microsoft.com/office/drawing/2010/main"/>
+                <a14:useLocalDpi xmlns:a14="http://schemas.microsoft.com/office/drawing/2010/main" val="0"/>
               </a:ext>
             </a:extLst>
           </a:blip>
+          <a:srcRect/>
           <a:stretch>
             <a:fillRect/>
           </a:stretch>
         </p:blipFill>
-        <p:spPr>
-          <a:xfrm>
-            <a:off x="4405726" y="1092678"/>
-            <a:ext cx="1905744" cy="3097113"/>
+        <p:spPr bwMode="auto">
+          <a:xfrm>
+            <a:off x="4388735" y="1007713"/>
+            <a:ext cx="1883548" cy="3099817"/>
           </a:xfrm>
           <a:prstGeom prst="rect">
             <a:avLst/>
           </a:prstGeom>
           <a:solidFill>
-            <a:srgbClr val="F0F0F0"/>
+            <a:srgbClr val="FFFFFF">
+              <a:shade val="85000"/>
+            </a:srgbClr>
           </a:solidFill>
-          <a:ln w="57150">
+          <a:ln w="88900" cap="sq">
             <a:solidFill>
-              <a:schemeClr val="bg1"/>
+              <a:srgbClr val="FFFFFF"/>
             </a:solidFill>
+            <a:miter lim="800000"/>
           </a:ln>
           <a:effectLst>
-            <a:outerShdw dist="38100" dir="2700000" algn="tl" rotWithShape="0">
-              <a:prstClr val="black">
-                <a:alpha val="17000"/>
-              </a:prstClr>
+            <a:outerShdw blurRad="55000" dist="18000" dir="5400000" algn="tl" rotWithShape="0">
+              <a:srgbClr val="000000">
+                <a:alpha val="40000"/>
+              </a:srgbClr>
             </a:outerShdw>
           </a:effectLst>
+          <a:scene3d>
+            <a:camera prst="orthographicFront"/>
+            <a:lightRig rig="twoPt" dir="t">
+              <a:rot lat="0" lon="0" rev="7200000"/>
+            </a:lightRig>
+          </a:scene3d>
+          <a:sp3d>
+            <a:bevelT w="25400" h="19050"/>
+            <a:contourClr>
+              <a:srgbClr val="FFFFFF"/>
+            </a:contourClr>
+          </a:sp3d>
+          <a:extLst>
+            <a:ext uri="{909E8E84-426E-40DD-AFC4-6F175D3DCCD1}">
+              <a14:hiddenFill xmlns:a14="http://schemas.microsoft.com/office/drawing/2010/main">
+                <a:solidFill>
+                  <a:schemeClr val="accent1"/>
+                </a:solidFill>
+              </a14:hiddenFill>
+            </a:ext>
+            <a:ext uri="{91240B29-F687-4F45-9708-019B960494DF}">
+              <a14:hiddenLine xmlns:a14="http://schemas.microsoft.com/office/drawing/2010/main" w="9525">
+                <a:solidFill>
+                  <a:schemeClr val="tx1"/>
+                </a:solidFill>
+                <a:miter lim="800000"/>
+                <a:headEnd/>
+                <a:tailEnd/>
+              </a14:hiddenLine>
+            </a:ext>
+            <a:ext uri="{AF507438-7753-43E0-B8FC-AC1667EBCBE1}">
+              <a14:hiddenEffects xmlns:a14="http://schemas.microsoft.com/office/drawing/2010/main">
+                <a:effectLst>
+                  <a:outerShdw dist="35921" dir="2700000" algn="ctr" rotWithShape="0">
+                    <a:schemeClr val="bg2"/>
+                  </a:outerShdw>
+                </a:effectLst>
+              </a14:hiddenEffects>
+            </a:ext>
+          </a:extLst>
         </p:spPr>
       </p:pic>
       <p:pic>
         <p:nvPicPr>
-          <p:cNvPr id="16" name="Picture 15"/>
+          <p:cNvPr id="1029" name="Picture 5"/>
           <p:cNvPicPr>
-            <a:picLocks/>
+            <a:picLocks noChangeAspect="1" noChangeArrowheads="1"/>
           </p:cNvPicPr>
           <p:nvPr/>
         </p:nvPicPr>
-        <p:blipFill rotWithShape="1">
-          <a:blip r:embed="rId3" cstate="email">
+        <p:blipFill>
+          <a:blip r:embed="rId3">
             <a:extLst>
               <a:ext uri="{28A0092B-C50C-407E-A947-70E740481C1C}">
-                <a14:useLocalDpi xmlns:a14="http://schemas.microsoft.com/office/drawing/2010/main"/>
+                <a14:useLocalDpi xmlns:a14="http://schemas.microsoft.com/office/drawing/2010/main" val="0"/>
               </a:ext>
             </a:extLst>
           </a:blip>
-          <a:srcRect b="-396"/>
-          <a:stretch/>
+          <a:srcRect/>
+          <a:stretch>
+            <a:fillRect/>
+          </a:stretch>
         </p:blipFill>
-        <p:spPr>
-          <a:xfrm>
-            <a:off x="152400" y="990600"/>
-            <a:ext cx="1937211" cy="3099816"/>
+        <p:spPr bwMode="auto">
+          <a:xfrm>
+            <a:off x="6442249" y="2529263"/>
+            <a:ext cx="1930873" cy="3130625"/>
           </a:xfrm>
           <a:prstGeom prst="rect">
             <a:avLst/>
           </a:prstGeom>
           <a:solidFill>
-            <a:srgbClr val="F0F0F0"/>
+            <a:srgbClr val="FFFFFF">
+              <a:shade val="85000"/>
+            </a:srgbClr>
           </a:solidFill>
-          <a:ln w="57150">
+          <a:ln w="88900" cap="sq">
             <a:solidFill>
-              <a:schemeClr val="bg1"/>
+              <a:srgbClr val="FFFFFF"/>
             </a:solidFill>
+            <a:miter lim="800000"/>
           </a:ln>
           <a:effectLst>
-            <a:outerShdw dist="38100" dir="2700000" algn="tl" rotWithShape="0">
-              <a:prstClr val="black">
-                <a:alpha val="17000"/>
-              </a:prstClr>
+            <a:outerShdw blurRad="55000" dist="18000" dir="5400000" algn="tl" rotWithShape="0">
+              <a:srgbClr val="000000">
+                <a:alpha val="40000"/>
+              </a:srgbClr>
             </a:outerShdw>
           </a:effectLst>
+          <a:scene3d>
+            <a:camera prst="orthographicFront"/>
+            <a:lightRig rig="twoPt" dir="t">
+              <a:rot lat="0" lon="0" rev="7200000"/>
+            </a:lightRig>
+          </a:scene3d>
+          <a:sp3d>
+            <a:bevelT w="25400" h="19050"/>
+            <a:contourClr>
+              <a:srgbClr val="FFFFFF"/>
+            </a:contourClr>
+          </a:sp3d>
+          <a:extLst>
+            <a:ext uri="{909E8E84-426E-40DD-AFC4-6F175D3DCCD1}">
+              <a14:hiddenFill xmlns:a14="http://schemas.microsoft.com/office/drawing/2010/main">
+                <a:solidFill>
+                  <a:schemeClr val="accent1"/>
+                </a:solidFill>
+              </a14:hiddenFill>
+            </a:ext>
+            <a:ext uri="{91240B29-F687-4F45-9708-019B960494DF}">
+              <a14:hiddenLine xmlns:a14="http://schemas.microsoft.com/office/drawing/2010/main" w="9525">
+                <a:solidFill>
+                  <a:schemeClr val="tx1"/>
+                </a:solidFill>
+                <a:miter lim="800000"/>
+                <a:headEnd/>
+                <a:tailEnd/>
+              </a14:hiddenLine>
+            </a:ext>
+            <a:ext uri="{AF507438-7753-43E0-B8FC-AC1667EBCBE1}">
+              <a14:hiddenEffects xmlns:a14="http://schemas.microsoft.com/office/drawing/2010/main">
+                <a:effectLst>
+                  <a:outerShdw dist="35921" dir="2700000" algn="ctr" rotWithShape="0">
+                    <a:schemeClr val="bg2"/>
+                  </a:outerShdw>
+                </a:effectLst>
+              </a14:hiddenEffects>
+            </a:ext>
+          </a:extLst>
         </p:spPr>
       </p:pic>
       <p:pic>
         <p:nvPicPr>
-          <p:cNvPr id="17" name="Picture 16"/>
+          <p:cNvPr id="1027" name="Picture 3"/>
           <p:cNvPicPr>
-            <a:picLocks/>
+            <a:picLocks noChangeAspect="1" noChangeArrowheads="1"/>
           </p:cNvPicPr>
           <p:nvPr/>
         </p:nvPicPr>
-        <p:blipFill rotWithShape="1">
-          <a:blip r:embed="rId4" cstate="email">
-            <a:duotone>
-              <a:prstClr val="black"/>
-              <a:srgbClr val="D9C3A5">
-                <a:tint val="50000"/>
-                <a:satMod val="180000"/>
-              </a:srgbClr>
-            </a:duotone>
+        <p:blipFill>
+          <a:blip r:embed="rId4">
             <a:extLst>
               <a:ext uri="{28A0092B-C50C-407E-A947-70E740481C1C}">
-                <a14:useLocalDpi xmlns:a14="http://schemas.microsoft.com/office/drawing/2010/main"/>
+                <a14:useLocalDpi xmlns:a14="http://schemas.microsoft.com/office/drawing/2010/main" val="0"/>
               </a:ext>
             </a:extLst>
           </a:blip>
-          <a:srcRect l="-1"/>
-          <a:stretch/>
+          <a:srcRect/>
+          <a:stretch>
+            <a:fillRect/>
+          </a:stretch>
         </p:blipFill>
-        <p:spPr>
-          <a:xfrm rot="10800000">
-            <a:off x="2286001" y="2531615"/>
-            <a:ext cx="1905000" cy="3099816"/>
+        <p:spPr bwMode="auto">
+          <a:xfrm>
+            <a:off x="2286000" y="2557622"/>
+            <a:ext cx="1891519" cy="3073908"/>
           </a:xfrm>
           <a:prstGeom prst="rect">
             <a:avLst/>
           </a:prstGeom>
           <a:solidFill>
-            <a:srgbClr val="F0F0F0"/>
+            <a:srgbClr val="FFFFFF">
+              <a:shade val="85000"/>
+            </a:srgbClr>
           </a:solidFill>
-          <a:ln w="57150">
+          <a:ln w="88900" cap="sq">
             <a:solidFill>
-              <a:schemeClr val="bg1"/>
+              <a:srgbClr val="FFFFFF"/>
             </a:solidFill>
+            <a:miter lim="800000"/>
           </a:ln>
           <a:effectLst>
-            <a:outerShdw dist="38100" dir="2700000" algn="tl" rotWithShape="0">
-              <a:prstClr val="black">
-                <a:alpha val="17000"/>
-              </a:prstClr>
+            <a:outerShdw blurRad="55000" dist="18000" dir="5400000" algn="tl" rotWithShape="0">
+              <a:srgbClr val="000000">
+                <a:alpha val="40000"/>
+              </a:srgbClr>
             </a:outerShdw>
           </a:effectLst>
+          <a:scene3d>
+            <a:camera prst="orthographicFront"/>
+            <a:lightRig rig="twoPt" dir="t">
+              <a:rot lat="0" lon="0" rev="7200000"/>
+            </a:lightRig>
+          </a:scene3d>
+          <a:sp3d>
+            <a:bevelT w="25400" h="19050"/>
+            <a:contourClr>
+              <a:srgbClr val="FFFFFF"/>
+            </a:contourClr>
+          </a:sp3d>
+          <a:extLst>
+            <a:ext uri="{909E8E84-426E-40DD-AFC4-6F175D3DCCD1}">
+              <a14:hiddenFill xmlns:a14="http://schemas.microsoft.com/office/drawing/2010/main">
+                <a:solidFill>
+                  <a:schemeClr val="accent1"/>
+                </a:solidFill>
+              </a14:hiddenFill>
+            </a:ext>
+            <a:ext uri="{91240B29-F687-4F45-9708-019B960494DF}">
+              <a14:hiddenLine xmlns:a14="http://schemas.microsoft.com/office/drawing/2010/main" w="9525">
+                <a:solidFill>
+                  <a:schemeClr val="tx1"/>
+                </a:solidFill>
+                <a:miter lim="800000"/>
+                <a:headEnd/>
+                <a:tailEnd/>
+              </a14:hiddenLine>
+            </a:ext>
+            <a:ext uri="{AF507438-7753-43E0-B8FC-AC1667EBCBE1}">
+              <a14:hiddenEffects xmlns:a14="http://schemas.microsoft.com/office/drawing/2010/main">
+                <a:effectLst>
+                  <a:outerShdw dist="35921" dir="2700000" algn="ctr" rotWithShape="0">
+                    <a:schemeClr val="bg2"/>
+                  </a:outerShdw>
+                </a:effectLst>
+              </a14:hiddenEffects>
+            </a:ext>
+          </a:extLst>
+        </p:spPr>
+      </p:pic>
+      <p:pic>
+        <p:nvPicPr>
+          <p:cNvPr id="1026" name="Picture 2" descr="E:\Development.Personal\GitHub\Demo.LiveTiles\Demo.LiveTiles.Presentation\Assets\LiveTileTower.png"/>
+          <p:cNvPicPr>
+            <a:picLocks noChangeAspect="1" noChangeArrowheads="1"/>
+          </p:cNvPicPr>
+          <p:nvPr/>
+        </p:nvPicPr>
+        <p:blipFill>
+          <a:blip r:embed="rId5">
+            <a:extLst>
+              <a:ext uri="{28A0092B-C50C-407E-A947-70E740481C1C}">
+                <a14:useLocalDpi xmlns:a14="http://schemas.microsoft.com/office/drawing/2010/main" val="0"/>
+              </a:ext>
+            </a:extLst>
+          </a:blip>
+          <a:srcRect/>
+          <a:stretch>
+            <a:fillRect/>
+          </a:stretch>
+        </p:blipFill>
+        <p:spPr bwMode="auto">
+          <a:xfrm>
+            <a:off x="106794" y="944986"/>
+            <a:ext cx="1982818" cy="3136537"/>
+          </a:xfrm>
+          <a:prstGeom prst="rect">
+            <a:avLst/>
+          </a:prstGeom>
+          <a:solidFill>
+            <a:srgbClr val="FFFFFF">
+              <a:shade val="85000"/>
+            </a:srgbClr>
+          </a:solidFill>
+          <a:ln w="88900" cap="sq">
+            <a:solidFill>
+              <a:srgbClr val="FFFFFF"/>
+            </a:solidFill>
+            <a:miter lim="800000"/>
+          </a:ln>
+          <a:effectLst>
+            <a:outerShdw blurRad="55000" dist="18000" dir="5400000" algn="tl" rotWithShape="0">
+              <a:srgbClr val="000000">
+                <a:alpha val="40000"/>
+              </a:srgbClr>
+            </a:outerShdw>
+          </a:effectLst>
+          <a:scene3d>
+            <a:camera prst="orthographicFront"/>
+            <a:lightRig rig="twoPt" dir="t">
+              <a:rot lat="0" lon="0" rev="7200000"/>
+            </a:lightRig>
+          </a:scene3d>
+          <a:sp3d>
+            <a:bevelT w="25400" h="19050"/>
+            <a:contourClr>
+              <a:srgbClr val="FFFFFF"/>
+            </a:contourClr>
+          </a:sp3d>
+          <a:extLst>
+            <a:ext uri="{909E8E84-426E-40DD-AFC4-6F175D3DCCD1}">
+              <a14:hiddenFill xmlns:a14="http://schemas.microsoft.com/office/drawing/2010/main">
+                <a:solidFill>
+                  <a:srgbClr val="FFFFFF"/>
+                </a:solidFill>
+              </a14:hiddenFill>
+            </a:ext>
+          </a:extLst>
         </p:spPr>
       </p:pic>
       <p:sp>
@@ -15855,57 +16045,6 @@
           </a:p>
         </p:txBody>
       </p:sp>
-      <p:pic>
-        <p:nvPicPr>
-          <p:cNvPr id="24" name="Picture 23"/>
-          <p:cNvPicPr>
-            <a:picLocks/>
-          </p:cNvPicPr>
-          <p:nvPr/>
-        </p:nvPicPr>
-        <p:blipFill rotWithShape="1">
-          <a:blip r:embed="rId4" cstate="email">
-            <a:duotone>
-              <a:prstClr val="black"/>
-              <a:srgbClr val="D9C3A5">
-                <a:tint val="50000"/>
-                <a:satMod val="180000"/>
-              </a:srgbClr>
-            </a:duotone>
-            <a:extLst>
-              <a:ext uri="{28A0092B-C50C-407E-A947-70E740481C1C}">
-                <a14:useLocalDpi xmlns:a14="http://schemas.microsoft.com/office/drawing/2010/main"/>
-              </a:ext>
-            </a:extLst>
-          </a:blip>
-          <a:srcRect l="-1"/>
-          <a:stretch/>
-        </p:blipFill>
-        <p:spPr>
-          <a:xfrm rot="10800000">
-            <a:off x="6477000" y="2552102"/>
-            <a:ext cx="1905000" cy="3099816"/>
-          </a:xfrm>
-          <a:prstGeom prst="rect">
-            <a:avLst/>
-          </a:prstGeom>
-          <a:solidFill>
-            <a:srgbClr val="F0F0F0"/>
-          </a:solidFill>
-          <a:ln w="57150">
-            <a:solidFill>
-              <a:schemeClr val="bg1"/>
-            </a:solidFill>
-          </a:ln>
-          <a:effectLst>
-            <a:outerShdw dist="38100" dir="2700000" algn="tl" rotWithShape="0">
-              <a:prstClr val="black">
-                <a:alpha val="17000"/>
-              </a:prstClr>
-            </a:outerShdw>
-          </a:effectLst>
-        </p:spPr>
-      </p:pic>
       <p:sp>
         <p:nvSpPr>
           <p:cNvPr id="25" name="TextBox 24"/>
@@ -16153,104 +16292,14 @@
                             </p:stCondLst>
                             <p:childTnLst>
                               <p:par>
-                                <p:cTn id="5" presetID="47" presetClass="entr" presetSubtype="0" fill="hold" nodeType="afterEffect">
-                                  <p:stCondLst>
-                                    <p:cond delay="300"/>
-                                  </p:stCondLst>
-                                  <p:childTnLst>
-                                    <p:set>
-                                      <p:cBhvr>
-                                        <p:cTn id="6" dur="1" fill="hold">
-                                          <p:stCondLst>
-                                            <p:cond delay="0"/>
-                                          </p:stCondLst>
-                                        </p:cTn>
-                                        <p:tgtEl>
-                                          <p:spTgt spid="16"/>
-                                        </p:tgtEl>
-                                        <p:attrNameLst>
-                                          <p:attrName>style.visibility</p:attrName>
-                                        </p:attrNameLst>
-                                      </p:cBhvr>
-                                      <p:to>
-                                        <p:strVal val="visible"/>
-                                      </p:to>
-                                    </p:set>
-                                    <p:animEffect transition="in" filter="fade">
-                                      <p:cBhvr>
-                                        <p:cTn id="7" dur="500"/>
-                                        <p:tgtEl>
-                                          <p:spTgt spid="16"/>
-                                        </p:tgtEl>
-                                      </p:cBhvr>
-                                    </p:animEffect>
-                                    <p:anim calcmode="lin" valueType="num">
-                                      <p:cBhvr>
-                                        <p:cTn id="8" dur="500" fill="hold"/>
-                                        <p:tgtEl>
-                                          <p:spTgt spid="16"/>
-                                        </p:tgtEl>
-                                        <p:attrNameLst>
-                                          <p:attrName>ppt_x</p:attrName>
-                                        </p:attrNameLst>
-                                      </p:cBhvr>
-                                      <p:tavLst>
-                                        <p:tav tm="0">
-                                          <p:val>
-                                            <p:strVal val="#ppt_x"/>
-                                          </p:val>
-                                        </p:tav>
-                                        <p:tav tm="100000">
-                                          <p:val>
-                                            <p:strVal val="#ppt_x"/>
-                                          </p:val>
-                                        </p:tav>
-                                      </p:tavLst>
-                                    </p:anim>
-                                    <p:anim calcmode="lin" valueType="num">
-                                      <p:cBhvr>
-                                        <p:cTn id="9" dur="500" fill="hold"/>
-                                        <p:tgtEl>
-                                          <p:spTgt spid="16"/>
-                                        </p:tgtEl>
-                                        <p:attrNameLst>
-                                          <p:attrName>ppt_y</p:attrName>
-                                        </p:attrNameLst>
-                                      </p:cBhvr>
-                                      <p:tavLst>
-                                        <p:tav tm="0">
-                                          <p:val>
-                                            <p:strVal val="#ppt_y-.1"/>
-                                          </p:val>
-                                        </p:tav>
-                                        <p:tav tm="100000">
-                                          <p:val>
-                                            <p:strVal val="#ppt_y"/>
-                                          </p:val>
-                                        </p:tav>
-                                      </p:tavLst>
-                                    </p:anim>
-                                  </p:childTnLst>
-                                </p:cTn>
-                              </p:par>
-                            </p:childTnLst>
-                          </p:cTn>
-                        </p:par>
-                        <p:par>
-                          <p:cTn id="10" fill="hold">
-                            <p:stCondLst>
-                              <p:cond delay="800"/>
-                            </p:stCondLst>
-                            <p:childTnLst>
-                              <p:par>
-                                <p:cTn id="11" presetID="10" presetClass="entr" presetSubtype="0" fill="hold" grpId="0" nodeType="afterEffect">
+                                <p:cTn id="5" presetID="10" presetClass="entr" presetSubtype="0" fill="hold" grpId="0" nodeType="afterEffect">
                                   <p:stCondLst>
                                     <p:cond delay="0"/>
                                   </p:stCondLst>
                                   <p:childTnLst>
                                     <p:set>
                                       <p:cBhvr>
-                                        <p:cTn id="12" dur="1" fill="hold">
+                                        <p:cTn id="6" dur="1" fill="hold">
                                           <p:stCondLst>
                                             <p:cond delay="0"/>
                                           </p:stCondLst>
@@ -16268,7 +16317,7 @@
                                     </p:set>
                                     <p:animEffect transition="in" filter="fade">
                                       <p:cBhvr>
-                                        <p:cTn id="13" dur="250"/>
+                                        <p:cTn id="7" dur="250"/>
                                         <p:tgtEl>
                                           <p:spTgt spid="14"/>
                                         </p:tgtEl>
@@ -16281,110 +16330,20 @@
                           </p:cTn>
                         </p:par>
                         <p:par>
-                          <p:cTn id="14" fill="hold">
+                          <p:cTn id="8" fill="hold">
                             <p:stCondLst>
-                              <p:cond delay="1050"/>
+                              <p:cond delay="250"/>
                             </p:stCondLst>
                             <p:childTnLst>
                               <p:par>
-                                <p:cTn id="15" presetID="47" presetClass="entr" presetSubtype="0" fill="hold" nodeType="afterEffect">
+                                <p:cTn id="9" presetID="10" presetClass="entr" presetSubtype="0" fill="hold" grpId="0" nodeType="afterEffect">
                                   <p:stCondLst>
                                     <p:cond delay="0"/>
                                   </p:stCondLst>
                                   <p:childTnLst>
                                     <p:set>
                                       <p:cBhvr>
-                                        <p:cTn id="16" dur="1" fill="hold">
-                                          <p:stCondLst>
-                                            <p:cond delay="0"/>
-                                          </p:stCondLst>
-                                        </p:cTn>
-                                        <p:tgtEl>
-                                          <p:spTgt spid="17"/>
-                                        </p:tgtEl>
-                                        <p:attrNameLst>
-                                          <p:attrName>style.visibility</p:attrName>
-                                        </p:attrNameLst>
-                                      </p:cBhvr>
-                                      <p:to>
-                                        <p:strVal val="visible"/>
-                                      </p:to>
-                                    </p:set>
-                                    <p:animEffect transition="in" filter="fade">
-                                      <p:cBhvr>
-                                        <p:cTn id="17" dur="500"/>
-                                        <p:tgtEl>
-                                          <p:spTgt spid="17"/>
-                                        </p:tgtEl>
-                                      </p:cBhvr>
-                                    </p:animEffect>
-                                    <p:anim calcmode="lin" valueType="num">
-                                      <p:cBhvr>
-                                        <p:cTn id="18" dur="500" fill="hold"/>
-                                        <p:tgtEl>
-                                          <p:spTgt spid="17"/>
-                                        </p:tgtEl>
-                                        <p:attrNameLst>
-                                          <p:attrName>ppt_x</p:attrName>
-                                        </p:attrNameLst>
-                                      </p:cBhvr>
-                                      <p:tavLst>
-                                        <p:tav tm="0">
-                                          <p:val>
-                                            <p:strVal val="#ppt_x"/>
-                                          </p:val>
-                                        </p:tav>
-                                        <p:tav tm="100000">
-                                          <p:val>
-                                            <p:strVal val="#ppt_x"/>
-                                          </p:val>
-                                        </p:tav>
-                                      </p:tavLst>
-                                    </p:anim>
-                                    <p:anim calcmode="lin" valueType="num">
-                                      <p:cBhvr>
-                                        <p:cTn id="19" dur="500" fill="hold"/>
-                                        <p:tgtEl>
-                                          <p:spTgt spid="17"/>
-                                        </p:tgtEl>
-                                        <p:attrNameLst>
-                                          <p:attrName>ppt_y</p:attrName>
-                                        </p:attrNameLst>
-                                      </p:cBhvr>
-                                      <p:tavLst>
-                                        <p:tav tm="0">
-                                          <p:val>
-                                            <p:strVal val="#ppt_y-.1"/>
-                                          </p:val>
-                                        </p:tav>
-                                        <p:tav tm="100000">
-                                          <p:val>
-                                            <p:strVal val="#ppt_y"/>
-                                          </p:val>
-                                        </p:tav>
-                                      </p:tavLst>
-                                    </p:anim>
-                                  </p:childTnLst>
-                                </p:cTn>
-                              </p:par>
-                            </p:childTnLst>
-                          </p:cTn>
-                        </p:par>
-                        <p:par>
-                          <p:cTn id="20" fill="hold">
-                            <p:stCondLst>
-                              <p:cond delay="1550"/>
-                            </p:stCondLst>
-                            <p:childTnLst>
-                              <p:par>
-                                <p:cTn id="21" presetID="10" presetClass="entr" presetSubtype="0" fill="hold" grpId="0" nodeType="afterEffect">
-                                  <p:stCondLst>
-                                    <p:cond delay="0"/>
-                                  </p:stCondLst>
-                                  <p:childTnLst>
-                                    <p:set>
-                                      <p:cBhvr>
-                                        <p:cTn id="22" dur="1" fill="hold">
+                                        <p:cTn id="10" dur="1" fill="hold">
                                           <p:stCondLst>
                                             <p:cond delay="0"/>
                                           </p:stCondLst>
@@ -16402,7 +16361,7 @@
                                     </p:set>
                                     <p:animEffect transition="in" filter="fade">
                                       <p:cBhvr>
-                                        <p:cTn id="23" dur="250"/>
+                                        <p:cTn id="11" dur="250"/>
                                         <p:tgtEl>
                                           <p:spTgt spid="18"/>
                                         </p:tgtEl>
@@ -16415,110 +16374,20 @@
                           </p:cTn>
                         </p:par>
                         <p:par>
-                          <p:cTn id="24" fill="hold">
+                          <p:cTn id="12" fill="hold">
                             <p:stCondLst>
-                              <p:cond delay="1800"/>
+                              <p:cond delay="500"/>
                             </p:stCondLst>
                             <p:childTnLst>
                               <p:par>
-                                <p:cTn id="25" presetID="47" presetClass="entr" presetSubtype="0" fill="hold" nodeType="afterEffect">
+                                <p:cTn id="13" presetID="10" presetClass="entr" presetSubtype="0" fill="hold" grpId="0" nodeType="afterEffect">
                                   <p:stCondLst>
                                     <p:cond delay="0"/>
                                   </p:stCondLst>
                                   <p:childTnLst>
                                     <p:set>
                                       <p:cBhvr>
-                                        <p:cTn id="26" dur="1" fill="hold">
-                                          <p:stCondLst>
-                                            <p:cond delay="0"/>
-                                          </p:stCondLst>
-                                        </p:cTn>
-                                        <p:tgtEl>
-                                          <p:spTgt spid="15"/>
-                                        </p:tgtEl>
-                                        <p:attrNameLst>
-                                          <p:attrName>style.visibility</p:attrName>
-                                        </p:attrNameLst>
-                                      </p:cBhvr>
-                                      <p:to>
-                                        <p:strVal val="visible"/>
-                                      </p:to>
-                                    </p:set>
-                                    <p:animEffect transition="in" filter="fade">
-                                      <p:cBhvr>
-                                        <p:cTn id="27" dur="500"/>
-                                        <p:tgtEl>
-                                          <p:spTgt spid="15"/>
-                                        </p:tgtEl>
-                                      </p:cBhvr>
-                                    </p:animEffect>
-                                    <p:anim calcmode="lin" valueType="num">
-                                      <p:cBhvr>
-                                        <p:cTn id="28" dur="500" fill="hold"/>
-                                        <p:tgtEl>
-                                          <p:spTgt spid="15"/>
-                                        </p:tgtEl>
-                                        <p:attrNameLst>
-                                          <p:attrName>ppt_x</p:attrName>
-                                        </p:attrNameLst>
-                                      </p:cBhvr>
-                                      <p:tavLst>
-                                        <p:tav tm="0">
-                                          <p:val>
-                                            <p:strVal val="#ppt_x"/>
-                                          </p:val>
-                                        </p:tav>
-                                        <p:tav tm="100000">
-                                          <p:val>
-                                            <p:strVal val="#ppt_x"/>
-                                          </p:val>
-                                        </p:tav>
-                                      </p:tavLst>
-                                    </p:anim>
-                                    <p:anim calcmode="lin" valueType="num">
-                                      <p:cBhvr>
-                                        <p:cTn id="29" dur="500" fill="hold"/>
-                                        <p:tgtEl>
-                                          <p:spTgt spid="15"/>
-                                        </p:tgtEl>
-                                        <p:attrNameLst>
-                                          <p:attrName>ppt_y</p:attrName>
-                                        </p:attrNameLst>
-                                      </p:cBhvr>
-                                      <p:tavLst>
-                                        <p:tav tm="0">
-                                          <p:val>
-                                            <p:strVal val="#ppt_y-.1"/>
-                                          </p:val>
-                                        </p:tav>
-                                        <p:tav tm="100000">
-                                          <p:val>
-                                            <p:strVal val="#ppt_y"/>
-                                          </p:val>
-                                        </p:tav>
-                                      </p:tavLst>
-                                    </p:anim>
-                                  </p:childTnLst>
-                                </p:cTn>
-                              </p:par>
-                            </p:childTnLst>
-                          </p:cTn>
-                        </p:par>
-                        <p:par>
-                          <p:cTn id="30" fill="hold">
-                            <p:stCondLst>
-                              <p:cond delay="2300"/>
-                            </p:stCondLst>
-                            <p:childTnLst>
-                              <p:par>
-                                <p:cTn id="31" presetID="10" presetClass="entr" presetSubtype="0" fill="hold" grpId="0" nodeType="afterEffect">
-                                  <p:stCondLst>
-                                    <p:cond delay="0"/>
-                                  </p:stCondLst>
-                                  <p:childTnLst>
-                                    <p:set>
-                                      <p:cBhvr>
-                                        <p:cTn id="32" dur="1" fill="hold">
+                                        <p:cTn id="14" dur="1" fill="hold">
                                           <p:stCondLst>
                                             <p:cond delay="0"/>
                                           </p:stCondLst>
@@ -16536,7 +16405,7 @@
                                     </p:set>
                                     <p:animEffect transition="in" filter="fade">
                                       <p:cBhvr>
-                                        <p:cTn id="33" dur="250"/>
+                                        <p:cTn id="15" dur="250"/>
                                         <p:tgtEl>
                                           <p:spTgt spid="19"/>
                                         </p:tgtEl>
@@ -16549,110 +16418,20 @@
                           </p:cTn>
                         </p:par>
                         <p:par>
-                          <p:cTn id="34" fill="hold">
+                          <p:cTn id="16" fill="hold">
                             <p:stCondLst>
-                              <p:cond delay="2550"/>
+                              <p:cond delay="750"/>
                             </p:stCondLst>
                             <p:childTnLst>
                               <p:par>
-                                <p:cTn id="35" presetID="47" presetClass="entr" presetSubtype="0" fill="hold" nodeType="afterEffect">
+                                <p:cTn id="17" presetID="10" presetClass="entr" presetSubtype="0" fill="hold" grpId="0" nodeType="afterEffect">
                                   <p:stCondLst>
                                     <p:cond delay="0"/>
                                   </p:stCondLst>
                                   <p:childTnLst>
                                     <p:set>
                                       <p:cBhvr>
-                                        <p:cTn id="36" dur="1" fill="hold">
-                                          <p:stCondLst>
-                                            <p:cond delay="0"/>
-                                          </p:stCondLst>
-                                        </p:cTn>
-                                        <p:tgtEl>
-                                          <p:spTgt spid="24"/>
-                                        </p:tgtEl>
-                                        <p:attrNameLst>
-                                          <p:attrName>style.visibility</p:attrName>
-                                        </p:attrNameLst>
-                                      </p:cBhvr>
-                                      <p:to>
-                                        <p:strVal val="visible"/>
-                                      </p:to>
-                                    </p:set>
-                                    <p:animEffect transition="in" filter="fade">
-                                      <p:cBhvr>
-                                        <p:cTn id="37" dur="500"/>
-                                        <p:tgtEl>
-                                          <p:spTgt spid="24"/>
-                                        </p:tgtEl>
-                                      </p:cBhvr>
-                                    </p:animEffect>
-                                    <p:anim calcmode="lin" valueType="num">
-                                      <p:cBhvr>
-                                        <p:cTn id="38" dur="500" fill="hold"/>
-                                        <p:tgtEl>
-                                          <p:spTgt spid="24"/>
-                                        </p:tgtEl>
-                                        <p:attrNameLst>
-                                          <p:attrName>ppt_x</p:attrName>
-                                        </p:attrNameLst>
-                                      </p:cBhvr>
-                                      <p:tavLst>
-                                        <p:tav tm="0">
-                                          <p:val>
-                                            <p:strVal val="#ppt_x"/>
-                                          </p:val>
-                                        </p:tav>
-                                        <p:tav tm="100000">
-                                          <p:val>
-                                            <p:strVal val="#ppt_x"/>
-                                          </p:val>
-                                        </p:tav>
-                                      </p:tavLst>
-                                    </p:anim>
-                                    <p:anim calcmode="lin" valueType="num">
-                                      <p:cBhvr>
-                                        <p:cTn id="39" dur="500" fill="hold"/>
-                                        <p:tgtEl>
-                                          <p:spTgt spid="24"/>
-                                        </p:tgtEl>
-                                        <p:attrNameLst>
-                                          <p:attrName>ppt_y</p:attrName>
-                                        </p:attrNameLst>
-                                      </p:cBhvr>
-                                      <p:tavLst>
-                                        <p:tav tm="0">
-                                          <p:val>
-                                            <p:strVal val="#ppt_y-.1"/>
-                                          </p:val>
-                                        </p:tav>
-                                        <p:tav tm="100000">
-                                          <p:val>
-                                            <p:strVal val="#ppt_y"/>
-                                          </p:val>
-                                        </p:tav>
-                                      </p:tavLst>
-                                    </p:anim>
-                                  </p:childTnLst>
-                                </p:cTn>
-                              </p:par>
-                            </p:childTnLst>
-                          </p:cTn>
-                        </p:par>
-                        <p:par>
-                          <p:cTn id="40" fill="hold">
-                            <p:stCondLst>
-                              <p:cond delay="3050"/>
-                            </p:stCondLst>
-                            <p:childTnLst>
-                              <p:par>
-                                <p:cTn id="41" presetID="10" presetClass="entr" presetSubtype="0" fill="hold" grpId="0" nodeType="afterEffect">
-                                  <p:stCondLst>
-                                    <p:cond delay="0"/>
-                                  </p:stCondLst>
-                                  <p:childTnLst>
-                                    <p:set>
-                                      <p:cBhvr>
-                                        <p:cTn id="42" dur="1" fill="hold">
+                                        <p:cTn id="18" dur="1" fill="hold">
                                           <p:stCondLst>
                                             <p:cond delay="0"/>
                                           </p:stCondLst>
@@ -16670,7 +16449,7 @@
                                     </p:set>
                                     <p:animEffect transition="in" filter="fade">
                                       <p:cBhvr>
-                                        <p:cTn id="43" dur="250"/>
+                                        <p:cTn id="19" dur="250"/>
                                         <p:tgtEl>
                                           <p:spTgt spid="25"/>
                                         </p:tgtEl>
@@ -16683,20 +16462,20 @@
                           </p:cTn>
                         </p:par>
                         <p:par>
-                          <p:cTn id="44" fill="hold">
+                          <p:cTn id="20" fill="hold">
                             <p:stCondLst>
-                              <p:cond delay="3300"/>
+                              <p:cond delay="1000"/>
                             </p:stCondLst>
                             <p:childTnLst>
                               <p:par>
-                                <p:cTn id="45" presetID="10" presetClass="entr" presetSubtype="0" fill="hold" grpId="0" nodeType="afterEffect">
+                                <p:cTn id="21" presetID="10" presetClass="entr" presetSubtype="0" fill="hold" grpId="0" nodeType="afterEffect">
                                   <p:stCondLst>
                                     <p:cond delay="0"/>
                                   </p:stCondLst>
                                   <p:childTnLst>
                                     <p:set>
                                       <p:cBhvr>
-                                        <p:cTn id="46" dur="1" fill="hold">
+                                        <p:cTn id="22" dur="1" fill="hold">
                                           <p:stCondLst>
                                             <p:cond delay="0"/>
                                           </p:stCondLst>
@@ -16718,7 +16497,7 @@
                                     </p:set>
                                     <p:animEffect transition="in" filter="fade">
                                       <p:cBhvr>
-                                        <p:cTn id="47" dur="1000"/>
+                                        <p:cTn id="23" dur="1000"/>
                                         <p:tgtEl>
                                           <p:spTgt spid="27">
                                             <p:txEl>
@@ -19352,15 +19131,7 @@
                   <a:schemeClr val="bg1"/>
                 </a:solidFill>
               </a:rPr>
-              <a:t>What </a:t>
-            </a:r>
-            <a:r>
-              <a:rPr lang="en-US" sz="2400" dirty="0" smtClean="0">
-                <a:solidFill>
-                  <a:schemeClr val="bg1"/>
-                </a:solidFill>
-              </a:rPr>
-              <a:t>are Secondary Tiles</a:t>
+              <a:t>What are Secondary Tiles</a:t>
             </a:r>
             <a:endParaRPr lang="en-US" sz="2400" b="1" dirty="0">
               <a:solidFill>
@@ -19922,15 +19693,7 @@
                   <a:schemeClr val="bg1"/>
                 </a:solidFill>
               </a:rPr>
-              <a:t>What </a:t>
-            </a:r>
-            <a:r>
-              <a:rPr lang="en-US" sz="2400" dirty="0" smtClean="0">
-                <a:solidFill>
-                  <a:schemeClr val="bg1"/>
-                </a:solidFill>
-              </a:rPr>
-              <a:t>are Scheduled Notifications</a:t>
+              <a:t>What are Scheduled Notifications</a:t>
             </a:r>
             <a:endParaRPr lang="en-US" sz="2400" b="1" dirty="0">
               <a:solidFill>
@@ -20770,15 +20533,7 @@
                   <a:schemeClr val="bg1"/>
                 </a:solidFill>
               </a:rPr>
-              <a:t>What </a:t>
-            </a:r>
-            <a:r>
-              <a:rPr lang="en-US" sz="2400" dirty="0" smtClean="0">
-                <a:solidFill>
-                  <a:schemeClr val="bg1"/>
-                </a:solidFill>
-              </a:rPr>
-              <a:t>are Toast Notifications</a:t>
+              <a:t>What are Toast Notifications</a:t>
             </a:r>
             <a:endParaRPr lang="en-US" sz="2400" b="1" dirty="0">
               <a:solidFill>
